--- a/lectures/CSE8AW20-01-23-Lec6-Loops/CSE8AW20-01-23-Lec6-Loops-slides.pptx
+++ b/lectures/CSE8AW20-01-23-Lec6-Loops/CSE8AW20-01-23-Lec6-Loops-slides.pptx
@@ -211,7 +211,7 @@
           <a:p>
             <a:fld id="{FA117288-13F6-A645-A1EE-CC48E87078BF}" type="datetimeFigureOut">
               <a:rPr lang="en-US" smtClean="0"/>
-              <a:t>1/21/20</a:t>
+              <a:t>1/23/20</a:t>
             </a:fld>
             <a:endParaRPr lang="en-US"/>
           </a:p>
@@ -709,7 +709,7 @@
           <a:p>
             <a:fld id="{CBA7B51C-4A64-5C42-B93F-3A6373E2DB39}" type="datetimeFigureOut">
               <a:rPr lang="en-US" smtClean="0"/>
-              <a:t>1/21/20</a:t>
+              <a:t>1/23/20</a:t>
             </a:fld>
             <a:endParaRPr lang="en-US"/>
           </a:p>
@@ -907,7 +907,7 @@
           <a:p>
             <a:fld id="{CBA7B51C-4A64-5C42-B93F-3A6373E2DB39}" type="datetimeFigureOut">
               <a:rPr lang="en-US" smtClean="0"/>
-              <a:t>1/21/20</a:t>
+              <a:t>1/23/20</a:t>
             </a:fld>
             <a:endParaRPr lang="en-US"/>
           </a:p>
@@ -1115,7 +1115,7 @@
           <a:p>
             <a:fld id="{CBA7B51C-4A64-5C42-B93F-3A6373E2DB39}" type="datetimeFigureOut">
               <a:rPr lang="en-US" smtClean="0"/>
-              <a:t>1/21/20</a:t>
+              <a:t>1/23/20</a:t>
             </a:fld>
             <a:endParaRPr lang="en-US"/>
           </a:p>
@@ -1313,7 +1313,7 @@
           <a:p>
             <a:fld id="{CBA7B51C-4A64-5C42-B93F-3A6373E2DB39}" type="datetimeFigureOut">
               <a:rPr lang="en-US" smtClean="0"/>
-              <a:t>1/21/20</a:t>
+              <a:t>1/23/20</a:t>
             </a:fld>
             <a:endParaRPr lang="en-US"/>
           </a:p>
@@ -1588,7 +1588,7 @@
           <a:p>
             <a:fld id="{CBA7B51C-4A64-5C42-B93F-3A6373E2DB39}" type="datetimeFigureOut">
               <a:rPr lang="en-US" smtClean="0"/>
-              <a:t>1/21/20</a:t>
+              <a:t>1/23/20</a:t>
             </a:fld>
             <a:endParaRPr lang="en-US"/>
           </a:p>
@@ -1853,7 +1853,7 @@
           <a:p>
             <a:fld id="{CBA7B51C-4A64-5C42-B93F-3A6373E2DB39}" type="datetimeFigureOut">
               <a:rPr lang="en-US" smtClean="0"/>
-              <a:t>1/21/20</a:t>
+              <a:t>1/23/20</a:t>
             </a:fld>
             <a:endParaRPr lang="en-US"/>
           </a:p>
@@ -2265,7 +2265,7 @@
           <a:p>
             <a:fld id="{CBA7B51C-4A64-5C42-B93F-3A6373E2DB39}" type="datetimeFigureOut">
               <a:rPr lang="en-US" smtClean="0"/>
-              <a:t>1/21/20</a:t>
+              <a:t>1/23/20</a:t>
             </a:fld>
             <a:endParaRPr lang="en-US"/>
           </a:p>
@@ -2406,7 +2406,7 @@
           <a:p>
             <a:fld id="{CBA7B51C-4A64-5C42-B93F-3A6373E2DB39}" type="datetimeFigureOut">
               <a:rPr lang="en-US" smtClean="0"/>
-              <a:t>1/21/20</a:t>
+              <a:t>1/23/20</a:t>
             </a:fld>
             <a:endParaRPr lang="en-US"/>
           </a:p>
@@ -2519,7 +2519,7 @@
           <a:p>
             <a:fld id="{CBA7B51C-4A64-5C42-B93F-3A6373E2DB39}" type="datetimeFigureOut">
               <a:rPr lang="en-US" smtClean="0"/>
-              <a:t>1/21/20</a:t>
+              <a:t>1/23/20</a:t>
             </a:fld>
             <a:endParaRPr lang="en-US"/>
           </a:p>
@@ -2830,7 +2830,7 @@
           <a:p>
             <a:fld id="{CBA7B51C-4A64-5C42-B93F-3A6373E2DB39}" type="datetimeFigureOut">
               <a:rPr lang="en-US" smtClean="0"/>
-              <a:t>1/21/20</a:t>
+              <a:t>1/23/20</a:t>
             </a:fld>
             <a:endParaRPr lang="en-US"/>
           </a:p>
@@ -3118,7 +3118,7 @@
           <a:p>
             <a:fld id="{CBA7B51C-4A64-5C42-B93F-3A6373E2DB39}" type="datetimeFigureOut">
               <a:rPr lang="en-US" smtClean="0"/>
-              <a:t>1/21/20</a:t>
+              <a:t>1/23/20</a:t>
             </a:fld>
             <a:endParaRPr lang="en-US"/>
           </a:p>
@@ -3359,7 +3359,7 @@
           <a:p>
             <a:fld id="{CBA7B51C-4A64-5C42-B93F-3A6373E2DB39}" type="datetimeFigureOut">
               <a:rPr lang="en-US" smtClean="0"/>
-              <a:t>1/21/20</a:t>
+              <a:t>1/23/20</a:t>
             </a:fld>
             <a:endParaRPr lang="en-US"/>
           </a:p>
@@ -3833,7 +3833,7 @@
           <a:p>
             <a:r>
               <a:rPr lang="en-US" dirty="0"/>
-              <a:t>Lecture Jan 21, Variable Update and For Loops</a:t>
+              <a:t>Lecture Jan 23, Loops</a:t>
             </a:r>
           </a:p>
         </p:txBody>
@@ -5267,21 +5267,21 @@
               <a:buNone/>
             </a:pPr>
             <a:r>
-              <a:rPr lang="en-US" sz="1900" dirty="0">
+              <a:rPr lang="en-US" sz="2900" dirty="0">
                 <a:latin typeface="Consolas" panose="020B0609020204030204" pitchFamily="49" charset="0"/>
                 <a:cs typeface="Consolas" panose="020B0609020204030204" pitchFamily="49" charset="0"/>
               </a:rPr>
               <a:t>def biggest(</a:t>
             </a:r>
             <a:r>
-              <a:rPr lang="en-US" sz="1900" dirty="0" err="1">
+              <a:rPr lang="en-US" sz="2900" dirty="0" err="1">
                 <a:latin typeface="Consolas" panose="020B0609020204030204" pitchFamily="49" charset="0"/>
                 <a:cs typeface="Consolas" panose="020B0609020204030204" pitchFamily="49" charset="0"/>
               </a:rPr>
               <a:t>nums</a:t>
             </a:r>
             <a:r>
-              <a:rPr lang="en-US" sz="1900" dirty="0">
+              <a:rPr lang="en-US" sz="2900" dirty="0">
                 <a:latin typeface="Consolas" panose="020B0609020204030204" pitchFamily="49" charset="0"/>
                 <a:cs typeface="Consolas" panose="020B0609020204030204" pitchFamily="49" charset="0"/>
               </a:rPr>
@@ -5293,25 +5293,39 @@
               <a:buNone/>
             </a:pPr>
             <a:r>
-              <a:rPr lang="en-US" sz="1900" dirty="0">
-                <a:latin typeface="Consolas" panose="020B0609020204030204" pitchFamily="49" charset="0"/>
-                <a:cs typeface="Consolas" panose="020B0609020204030204" pitchFamily="49" charset="0"/>
-              </a:rPr>
-              <a:t>  biggest = </a:t>
-            </a:r>
-            <a:r>
-              <a:rPr lang="en-US" sz="1900" dirty="0" err="1">
+              <a:rPr lang="en-US" sz="2900" dirty="0">
+                <a:latin typeface="Consolas" panose="020B0609020204030204" pitchFamily="49" charset="0"/>
+                <a:cs typeface="Consolas" panose="020B0609020204030204" pitchFamily="49" charset="0"/>
+              </a:rPr>
+              <a:t>  </a:t>
+            </a:r>
+            <a:r>
+              <a:rPr lang="en-US" sz="2900" dirty="0" err="1">
+                <a:latin typeface="Consolas" panose="020B0609020204030204" pitchFamily="49" charset="0"/>
+                <a:cs typeface="Consolas" panose="020B0609020204030204" pitchFamily="49" charset="0"/>
+              </a:rPr>
+              <a:t>max_num</a:t>
+            </a:r>
+            <a:r>
+              <a:rPr lang="en-US" sz="2900" dirty="0">
+                <a:latin typeface="Consolas" panose="020B0609020204030204" pitchFamily="49" charset="0"/>
+                <a:cs typeface="Consolas" panose="020B0609020204030204" pitchFamily="49" charset="0"/>
+              </a:rPr>
+              <a:t> = </a:t>
+            </a:r>
+            <a:r>
+              <a:rPr lang="en-US" sz="2900" dirty="0" err="1">
                 <a:latin typeface="Consolas" panose="020B0609020204030204" pitchFamily="49" charset="0"/>
                 <a:cs typeface="Consolas" panose="020B0609020204030204" pitchFamily="49" charset="0"/>
               </a:rPr>
               <a:t>nums</a:t>
             </a:r>
             <a:r>
-              <a:rPr lang="en-US" sz="1900" dirty="0">
-                <a:latin typeface="Consolas" panose="020B0609020204030204" pitchFamily="49" charset="0"/>
-                <a:cs typeface="Consolas" panose="020B0609020204030204" pitchFamily="49" charset="0"/>
-              </a:rPr>
-              <a:t>[0]</a:t>
+              <a:rPr lang="en-US" sz="2900" dirty="0">
+                <a:latin typeface="Consolas" panose="020B0609020204030204" pitchFamily="49" charset="0"/>
+                <a:cs typeface="Consolas" panose="020B0609020204030204" pitchFamily="49" charset="0"/>
+              </a:rPr>
+              <a:t>[0] # change to n</a:t>
             </a:r>
           </a:p>
           <a:p>
@@ -5319,21 +5333,21 @@
               <a:buNone/>
             </a:pPr>
             <a:r>
-              <a:rPr lang="en-US" sz="1900" dirty="0">
+              <a:rPr lang="en-US" sz="2900" dirty="0">
                 <a:latin typeface="Consolas" panose="020B0609020204030204" pitchFamily="49" charset="0"/>
                 <a:cs typeface="Consolas" panose="020B0609020204030204" pitchFamily="49" charset="0"/>
               </a:rPr>
               <a:t>  for n in </a:t>
             </a:r>
             <a:r>
-              <a:rPr lang="en-US" sz="1900" dirty="0" err="1">
+              <a:rPr lang="en-US" sz="2900" dirty="0" err="1">
                 <a:latin typeface="Consolas" panose="020B0609020204030204" pitchFamily="49" charset="0"/>
                 <a:cs typeface="Consolas" panose="020B0609020204030204" pitchFamily="49" charset="0"/>
               </a:rPr>
               <a:t>nums</a:t>
             </a:r>
             <a:r>
-              <a:rPr lang="en-US" sz="1900" dirty="0">
+              <a:rPr lang="en-US" sz="2900" dirty="0">
                 <a:latin typeface="Consolas" panose="020B0609020204030204" pitchFamily="49" charset="0"/>
                 <a:cs typeface="Consolas" panose="020B0609020204030204" pitchFamily="49" charset="0"/>
               </a:rPr>
@@ -5345,11 +5359,25 @@
               <a:buNone/>
             </a:pPr>
             <a:r>
-              <a:rPr lang="en-US" sz="1900" dirty="0">
-                <a:latin typeface="Consolas" panose="020B0609020204030204" pitchFamily="49" charset="0"/>
-                <a:cs typeface="Consolas" panose="020B0609020204030204" pitchFamily="49" charset="0"/>
-              </a:rPr>
-              <a:t>    if n &gt; biggest:</a:t>
+              <a:rPr lang="en-US" sz="2900" dirty="0">
+                <a:latin typeface="Consolas" panose="020B0609020204030204" pitchFamily="49" charset="0"/>
+                <a:cs typeface="Consolas" panose="020B0609020204030204" pitchFamily="49" charset="0"/>
+              </a:rPr>
+              <a:t>    if n &gt; </a:t>
+            </a:r>
+            <a:r>
+              <a:rPr lang="en-US" sz="2900" dirty="0" err="1">
+                <a:latin typeface="Consolas" panose="020B0609020204030204" pitchFamily="49" charset="0"/>
+                <a:cs typeface="Consolas" panose="020B0609020204030204" pitchFamily="49" charset="0"/>
+              </a:rPr>
+              <a:t>max_num</a:t>
+            </a:r>
+            <a:r>
+              <a:rPr lang="en-US" sz="2900" dirty="0">
+                <a:latin typeface="Consolas" panose="020B0609020204030204" pitchFamily="49" charset="0"/>
+                <a:cs typeface="Consolas" panose="020B0609020204030204" pitchFamily="49" charset="0"/>
+              </a:rPr>
+              <a:t>:</a:t>
             </a:r>
           </a:p>
           <a:p>
@@ -5357,7 +5385,7 @@
               <a:buNone/>
             </a:pPr>
             <a:r>
-              <a:rPr lang="en-US" sz="1900" dirty="0">
+              <a:rPr lang="en-US" sz="2900" dirty="0">
                 <a:latin typeface="Consolas" panose="020B0609020204030204" pitchFamily="49" charset="0"/>
                 <a:cs typeface="Consolas" panose="020B0609020204030204" pitchFamily="49" charset="0"/>
               </a:rPr>
@@ -5369,11 +5397,44 @@
               <a:buNone/>
             </a:pPr>
             <a:r>
-              <a:rPr lang="en-US" sz="1900" dirty="0">
+              <a:rPr lang="en-US" sz="2900" dirty="0">
                 <a:latin typeface="Consolas" panose="020B0609020204030204" pitchFamily="49" charset="0"/>
                 <a:cs typeface="Consolas" panose="020B0609020204030204" pitchFamily="49" charset="0"/>
               </a:rPr>
               <a:t>  return ______FILL2_____</a:t>
+            </a:r>
+          </a:p>
+          <a:p>
+            <a:pPr marL="0" indent="0">
+              <a:buNone/>
+            </a:pPr>
+            <a:endParaRPr lang="en-US" sz="2900" dirty="0">
+              <a:latin typeface="Consolas" panose="020B0609020204030204" pitchFamily="49" charset="0"/>
+              <a:cs typeface="Consolas" panose="020B0609020204030204" pitchFamily="49" charset="0"/>
+            </a:endParaRPr>
+          </a:p>
+          <a:p>
+            <a:pPr marL="0" indent="0">
+              <a:buNone/>
+            </a:pPr>
+            <a:r>
+              <a:rPr lang="en-US" sz="2900" dirty="0">
+                <a:latin typeface="Consolas" panose="020B0609020204030204" pitchFamily="49" charset="0"/>
+                <a:cs typeface="Consolas" panose="020B0609020204030204" pitchFamily="49" charset="0"/>
+              </a:rPr>
+              <a:t>assert biggest([2, 3, 7]) == 7</a:t>
+            </a:r>
+          </a:p>
+          <a:p>
+            <a:pPr marL="0" indent="0">
+              <a:buNone/>
+            </a:pPr>
+            <a:r>
+              <a:rPr lang="en-US" sz="2900" dirty="0">
+                <a:latin typeface="Consolas" panose="020B0609020204030204" pitchFamily="49" charset="0"/>
+                <a:cs typeface="Consolas" panose="020B0609020204030204" pitchFamily="49" charset="0"/>
+              </a:rPr>
+              <a:t>assert biggest([400, 6, 1]) == 400</a:t>
             </a:r>
           </a:p>
           <a:p>
@@ -5385,39 +5446,6 @@
               <a:cs typeface="Consolas" panose="020B0609020204030204" pitchFamily="49" charset="0"/>
             </a:endParaRPr>
           </a:p>
-          <a:p>
-            <a:pPr marL="0" indent="0">
-              <a:buNone/>
-            </a:pPr>
-            <a:r>
-              <a:rPr lang="en-US" sz="1900" dirty="0">
-                <a:latin typeface="Consolas" panose="020B0609020204030204" pitchFamily="49" charset="0"/>
-                <a:cs typeface="Consolas" panose="020B0609020204030204" pitchFamily="49" charset="0"/>
-              </a:rPr>
-              <a:t>assert biggest([2, 3, 7]) == 7</a:t>
-            </a:r>
-          </a:p>
-          <a:p>
-            <a:pPr marL="0" indent="0">
-              <a:buNone/>
-            </a:pPr>
-            <a:r>
-              <a:rPr lang="en-US" sz="1900" dirty="0">
-                <a:latin typeface="Consolas" panose="020B0609020204030204" pitchFamily="49" charset="0"/>
-                <a:cs typeface="Consolas" panose="020B0609020204030204" pitchFamily="49" charset="0"/>
-              </a:rPr>
-              <a:t>assert product([400, 6, 1]) == 400</a:t>
-            </a:r>
-          </a:p>
-          <a:p>
-            <a:pPr marL="0" indent="0">
-              <a:buNone/>
-            </a:pPr>
-            <a:endParaRPr lang="en-US" sz="1900" dirty="0">
-              <a:latin typeface="Consolas" panose="020B0609020204030204" pitchFamily="49" charset="0"/>
-              <a:cs typeface="Consolas" panose="020B0609020204030204" pitchFamily="49" charset="0"/>
-            </a:endParaRPr>
-          </a:p>
         </p:txBody>
       </p:sp>
       <p:sp>
@@ -5472,7 +5500,42 @@
                 <a:latin typeface="Consolas" panose="020B0609020204030204" pitchFamily="49" charset="0"/>
                 <a:cs typeface="Consolas" panose="020B0609020204030204" pitchFamily="49" charset="0"/>
               </a:rPr>
-              <a:t>n = biggest</a:t>
+              <a:t>n = </a:t>
+            </a:r>
+            <a:r>
+              <a:rPr lang="en-US" dirty="0" err="1">
+                <a:latin typeface="Consolas" panose="020B0609020204030204" pitchFamily="49" charset="0"/>
+                <a:cs typeface="Consolas" panose="020B0609020204030204" pitchFamily="49" charset="0"/>
+              </a:rPr>
+              <a:t>max_num</a:t>
+            </a:r>
+            <a:r>
+              <a:rPr lang="en-US" dirty="0">
+                <a:latin typeface="Consolas" panose="020B0609020204030204" pitchFamily="49" charset="0"/>
+                <a:cs typeface="Consolas" panose="020B0609020204030204" pitchFamily="49" charset="0"/>
+              </a:rPr>
+              <a:t> # returns 1</a:t>
+            </a:r>
+            <a:r>
+              <a:rPr lang="en-US" baseline="30000" dirty="0">
+                <a:latin typeface="Consolas" panose="020B0609020204030204" pitchFamily="49" charset="0"/>
+                <a:cs typeface="Consolas" panose="020B0609020204030204" pitchFamily="49" charset="0"/>
+              </a:rPr>
+              <a:t>st</a:t>
+            </a:r>
+            <a:r>
+              <a:rPr lang="en-US" dirty="0">
+                <a:latin typeface="Consolas" panose="020B0609020204030204" pitchFamily="49" charset="0"/>
+                <a:cs typeface="Consolas" panose="020B0609020204030204" pitchFamily="49" charset="0"/>
+              </a:rPr>
+              <a:t> </a:t>
+            </a:r>
+            <a:r>
+              <a:rPr lang="en-US" dirty="0" err="1">
+                <a:latin typeface="Consolas" panose="020B0609020204030204" pitchFamily="49" charset="0"/>
+                <a:cs typeface="Consolas" panose="020B0609020204030204" pitchFamily="49" charset="0"/>
+              </a:rPr>
+              <a:t>elt</a:t>
             </a:r>
             <a:br>
               <a:rPr lang="en-US" dirty="0">
@@ -5481,11 +5544,11 @@
               </a:rPr>
             </a:br>
             <a:r>
-              <a:rPr lang="en-US" dirty="0">
-                <a:latin typeface="Consolas" panose="020B0609020204030204" pitchFamily="49" charset="0"/>
-                <a:cs typeface="Consolas" panose="020B0609020204030204" pitchFamily="49" charset="0"/>
-              </a:rPr>
-              <a:t>biggest</a:t>
+              <a:rPr lang="en-US" dirty="0" err="1">
+                <a:latin typeface="Consolas" panose="020B0609020204030204" pitchFamily="49" charset="0"/>
+                <a:cs typeface="Consolas" panose="020B0609020204030204" pitchFamily="49" charset="0"/>
+              </a:rPr>
+              <a:t>max_num</a:t>
             </a:r>
             <a:br>
               <a:rPr lang="en-US" dirty="0">
@@ -5503,11 +5566,25 @@
               <a:buAutoNum type="alphaUcPeriod"/>
             </a:pPr>
             <a:r>
+              <a:rPr lang="en-US" dirty="0" err="1">
+                <a:latin typeface="Consolas" panose="020B0609020204030204" pitchFamily="49" charset="0"/>
+                <a:cs typeface="Consolas" panose="020B0609020204030204" pitchFamily="49" charset="0"/>
+              </a:rPr>
+              <a:t>max_num</a:t>
+            </a:r>
+            <a:r>
               <a:rPr lang="en-US" dirty="0">
                 <a:latin typeface="Consolas" panose="020B0609020204030204" pitchFamily="49" charset="0"/>
                 <a:cs typeface="Consolas" panose="020B0609020204030204" pitchFamily="49" charset="0"/>
               </a:rPr>
-              <a:t>biggest = n</a:t>
+              <a:t> = n # return last </a:t>
+            </a:r>
+            <a:r>
+              <a:rPr lang="en-US" dirty="0" err="1">
+                <a:latin typeface="Consolas" panose="020B0609020204030204" pitchFamily="49" charset="0"/>
+                <a:cs typeface="Consolas" panose="020B0609020204030204" pitchFamily="49" charset="0"/>
+              </a:rPr>
+              <a:t>elt</a:t>
             </a:r>
             <a:br>
               <a:rPr lang="en-US" dirty="0">
@@ -5542,7 +5619,14 @@
                 <a:latin typeface="Consolas" panose="020B0609020204030204" pitchFamily="49" charset="0"/>
                 <a:cs typeface="Consolas" panose="020B0609020204030204" pitchFamily="49" charset="0"/>
               </a:rPr>
-              <a:t>return biggest</a:t>
+              <a:t>return </a:t>
+            </a:r>
+            <a:r>
+              <a:rPr lang="en-US" dirty="0" err="1">
+                <a:latin typeface="Consolas" panose="020B0609020204030204" pitchFamily="49" charset="0"/>
+                <a:cs typeface="Consolas" panose="020B0609020204030204" pitchFamily="49" charset="0"/>
+              </a:rPr>
+              <a:t>max_num</a:t>
             </a:r>
             <a:br>
               <a:rPr lang="en-US" dirty="0">
@@ -5573,11 +5657,18 @@
               <a:buAutoNum type="alphaUcPeriod"/>
             </a:pPr>
             <a:r>
+              <a:rPr lang="en-US" dirty="0" err="1">
+                <a:latin typeface="Consolas" panose="020B0609020204030204" pitchFamily="49" charset="0"/>
+                <a:cs typeface="Consolas" panose="020B0609020204030204" pitchFamily="49" charset="0"/>
+              </a:rPr>
+              <a:t>max_num</a:t>
+            </a:r>
+            <a:r>
               <a:rPr lang="en-US" dirty="0">
                 <a:latin typeface="Consolas" panose="020B0609020204030204" pitchFamily="49" charset="0"/>
                 <a:cs typeface="Consolas" panose="020B0609020204030204" pitchFamily="49" charset="0"/>
               </a:rPr>
-              <a:t>biggest = n</a:t>
+              <a:t> = n # passes the tests</a:t>
             </a:r>
             <a:br>
               <a:rPr lang="en-US" dirty="0">
@@ -5586,11 +5677,11 @@
               </a:rPr>
             </a:br>
             <a:r>
-              <a:rPr lang="en-US" dirty="0">
-                <a:latin typeface="Consolas" panose="020B0609020204030204" pitchFamily="49" charset="0"/>
-                <a:cs typeface="Consolas" panose="020B0609020204030204" pitchFamily="49" charset="0"/>
-              </a:rPr>
-              <a:t>biggest</a:t>
+              <a:rPr lang="en-US" dirty="0" err="1">
+                <a:latin typeface="Consolas" panose="020B0609020204030204" pitchFamily="49" charset="0"/>
+                <a:cs typeface="Consolas" panose="020B0609020204030204" pitchFamily="49" charset="0"/>
+              </a:rPr>
+              <a:t>max_num</a:t>
             </a:r>
             <a:br>
               <a:rPr lang="en-US" dirty="0">
@@ -5739,7 +5830,15 @@
             </a:pPr>
             <a:r>
               <a:rPr lang="en-US" dirty="0"/>
-              <a:t>Takes a start value and produces a range from start (inclusive) to stop (exclusive).</a:t>
+              <a:t>Takes a start value and a </a:t>
+            </a:r>
+            <a:r>
+              <a:rPr lang="en-US"/>
+              <a:t>stop value </a:t>
+            </a:r>
+            <a:r>
+              <a:rPr lang="en-US" dirty="0"/>
+              <a:t>produces a range from start (inclusive) to stop (exclusive).</a:t>
             </a:r>
           </a:p>
           <a:p>
